--- a/Referate/Professionelle Lichtsteuerung mit DMX 512.pptx
+++ b/Referate/Professionelle Lichtsteuerung mit DMX 512.pptx
@@ -212,7 +212,7 @@
           <a:p>
             <a:fld id="{06DB6BA9-3662-4ADC-A0E8-7C19D225535D}" type="datetimeFigureOut">
               <a:rPr lang="de-DE" smtClean="0"/>
-              <a:t>02.07.2015</a:t>
+              <a:t>10.07.2015</a:t>
             </a:fld>
             <a:endParaRPr lang="de-DE"/>
           </a:p>
@@ -701,9 +701,21 @@
             </a:r>
             <a:r>
               <a:rPr lang="de-DE" baseline="0" dirty="0" smtClean="0"/>
-              <a:t> für ENTTEC DMX USB Pro Interface</a:t>
-            </a:r>
-            <a:endParaRPr lang="de-DE" dirty="0"/>
+              <a:t> für ENTTEC DMX USB Pro </a:t>
+            </a:r>
+            <a:r>
+              <a:rPr lang="de-DE" baseline="0" dirty="0" smtClean="0"/>
+              <a:t>Interface</a:t>
+            </a:r>
+          </a:p>
+          <a:p>
+            <a:endParaRPr lang="de-DE" baseline="0" dirty="0" smtClean="0"/>
+          </a:p>
+          <a:p>
+            <a:r>
+              <a:rPr lang="de-DE" dirty="0" smtClean="0"/>
+              <a:t>https://github.com/c0z3n/pySimpleDMX</a:t>
+            </a:r>
           </a:p>
         </p:txBody>
       </p:sp>
@@ -811,6 +823,14 @@
               <a:rPr lang="de-DE" dirty="0" err="1" smtClean="0"/>
               <a:t>periphery</a:t>
             </a:r>
+            <a:r>
+              <a:rPr lang="de-DE" dirty="0" smtClean="0"/>
+              <a:t>\</a:t>
+            </a:r>
+            <a:r>
+              <a:rPr lang="de-DE" dirty="0" err="1" smtClean="0"/>
+              <a:t>dmx</a:t>
+            </a:r>
             <a:endParaRPr lang="de-DE" dirty="0"/>
           </a:p>
         </p:txBody>
@@ -936,6 +956,14 @@
               <a:rPr lang="de-DE" dirty="0" err="1" smtClean="0"/>
               <a:t>periphery</a:t>
             </a:r>
+            <a:r>
+              <a:rPr lang="de-DE" dirty="0" smtClean="0"/>
+              <a:t>\</a:t>
+            </a:r>
+            <a:r>
+              <a:rPr lang="de-DE" dirty="0" err="1" smtClean="0"/>
+              <a:t>dmx</a:t>
+            </a:r>
             <a:endParaRPr lang="de-DE" dirty="0" smtClean="0"/>
           </a:p>
           <a:p>
@@ -2438,7 +2466,7 @@
           <a:p>
             <a:fld id="{4AAD347D-5ACD-4C99-B74B-A9C85AD731AF}" type="datetimeFigureOut">
               <a:rPr lang="en-US" smtClean="0"/>
-              <a:t>7/2/2015</a:t>
+              <a:t>7/10/2015</a:t>
             </a:fld>
             <a:endParaRPr lang="en-US" dirty="0"/>
           </a:p>
@@ -2713,7 +2741,7 @@
           <a:p>
             <a:fld id="{4AAD347D-5ACD-4C99-B74B-A9C85AD731AF}" type="datetimeFigureOut">
               <a:rPr lang="en-US" smtClean="0"/>
-              <a:t>7/2/2015</a:t>
+              <a:t>7/10/2015</a:t>
             </a:fld>
             <a:endParaRPr lang="en-US" dirty="0"/>
           </a:p>
@@ -2908,7 +2936,7 @@
           <a:p>
             <a:fld id="{4AAD347D-5ACD-4C99-B74B-A9C85AD731AF}" type="datetimeFigureOut">
               <a:rPr lang="en-US" smtClean="0"/>
-              <a:t>7/2/2015</a:t>
+              <a:t>7/10/2015</a:t>
             </a:fld>
             <a:endParaRPr lang="en-US" dirty="0"/>
           </a:p>
@@ -3177,7 +3205,7 @@
           <a:p>
             <a:fld id="{4AAD347D-5ACD-4C99-B74B-A9C85AD731AF}" type="datetimeFigureOut">
               <a:rPr lang="en-US" smtClean="0"/>
-              <a:t>7/2/2015</a:t>
+              <a:t>7/10/2015</a:t>
             </a:fld>
             <a:endParaRPr lang="en-US" dirty="0"/>
           </a:p>
@@ -3510,7 +3538,7 @@
           <a:p>
             <a:fld id="{4AAD347D-5ACD-4C99-B74B-A9C85AD731AF}" type="datetimeFigureOut">
               <a:rPr lang="en-US" smtClean="0"/>
-              <a:t>7/2/2015</a:t>
+              <a:t>7/10/2015</a:t>
             </a:fld>
             <a:endParaRPr lang="en-US" dirty="0"/>
           </a:p>
@@ -4121,7 +4149,7 @@
           <a:p>
             <a:fld id="{4AAD347D-5ACD-4C99-B74B-A9C85AD731AF}" type="datetimeFigureOut">
               <a:rPr lang="en-US" smtClean="0"/>
-              <a:t>7/2/2015</a:t>
+              <a:t>7/10/2015</a:t>
             </a:fld>
             <a:endParaRPr lang="en-US" dirty="0"/>
           </a:p>
@@ -4969,7 +4997,7 @@
           <a:p>
             <a:fld id="{4AAD347D-5ACD-4C99-B74B-A9C85AD731AF}" type="datetimeFigureOut">
               <a:rPr lang="en-US" smtClean="0"/>
-              <a:t>7/2/2015</a:t>
+              <a:t>7/10/2015</a:t>
             </a:fld>
             <a:endParaRPr lang="en-US" dirty="0"/>
           </a:p>
@@ -5140,7 +5168,7 @@
           <a:p>
             <a:fld id="{4509A250-FF31-4206-8172-F9D3106AACB1}" type="datetimeFigureOut">
               <a:rPr lang="en-US" smtClean="0"/>
-              <a:t>7/2/2015</a:t>
+              <a:t>7/10/2015</a:t>
             </a:fld>
             <a:endParaRPr lang="en-US" dirty="0"/>
           </a:p>
@@ -5320,7 +5348,7 @@
           <a:p>
             <a:fld id="{4509A250-FF31-4206-8172-F9D3106AACB1}" type="datetimeFigureOut">
               <a:rPr lang="en-US" smtClean="0"/>
-              <a:t>7/2/2015</a:t>
+              <a:t>7/10/2015</a:t>
             </a:fld>
             <a:endParaRPr lang="en-US" dirty="0"/>
           </a:p>
@@ -5490,7 +5518,7 @@
           <a:p>
             <a:fld id="{4509A250-FF31-4206-8172-F9D3106AACB1}" type="datetimeFigureOut">
               <a:rPr lang="en-US" smtClean="0"/>
-              <a:t>7/2/2015</a:t>
+              <a:t>7/10/2015</a:t>
             </a:fld>
             <a:endParaRPr lang="en-US" dirty="0"/>
           </a:p>
@@ -5734,7 +5762,7 @@
           <a:p>
             <a:fld id="{9796027F-7875-4030-9381-8BD8C4F21935}" type="datetimeFigureOut">
               <a:rPr lang="en-US" smtClean="0"/>
-              <a:t>7/2/2015</a:t>
+              <a:t>7/10/2015</a:t>
             </a:fld>
             <a:endParaRPr lang="en-US" dirty="0"/>
           </a:p>
@@ -6026,7 +6054,7 @@
           <a:p>
             <a:fld id="{9796027F-7875-4030-9381-8BD8C4F21935}" type="datetimeFigureOut">
               <a:rPr lang="en-US" smtClean="0"/>
-              <a:t>7/2/2015</a:t>
+              <a:t>7/10/2015</a:t>
             </a:fld>
             <a:endParaRPr lang="en-US" dirty="0"/>
           </a:p>
@@ -6464,7 +6492,7 @@
           <a:p>
             <a:fld id="{9796027F-7875-4030-9381-8BD8C4F21935}" type="datetimeFigureOut">
               <a:rPr lang="en-US" smtClean="0"/>
-              <a:t>7/2/2015</a:t>
+              <a:t>7/10/2015</a:t>
             </a:fld>
             <a:endParaRPr lang="en-US" dirty="0"/>
           </a:p>
@@ -6582,7 +6610,7 @@
           <a:p>
             <a:fld id="{4509A250-FF31-4206-8172-F9D3106AACB1}" type="datetimeFigureOut">
               <a:rPr lang="en-US" smtClean="0"/>
-              <a:t>7/2/2015</a:t>
+              <a:t>7/10/2015</a:t>
             </a:fld>
             <a:endParaRPr lang="en-US" dirty="0"/>
           </a:p>
@@ -6677,7 +6705,7 @@
           <a:p>
             <a:fld id="{4509A250-FF31-4206-8172-F9D3106AACB1}" type="datetimeFigureOut">
               <a:rPr lang="en-US" smtClean="0"/>
-              <a:t>7/2/2015</a:t>
+              <a:t>7/10/2015</a:t>
             </a:fld>
             <a:endParaRPr lang="en-US" dirty="0"/>
           </a:p>
@@ -6956,7 +6984,7 @@
           <a:p>
             <a:fld id="{4509A250-FF31-4206-8172-F9D3106AACB1}" type="datetimeFigureOut">
               <a:rPr lang="en-US" smtClean="0"/>
-              <a:t>7/2/2015</a:t>
+              <a:t>7/10/2015</a:t>
             </a:fld>
             <a:endParaRPr lang="en-US" dirty="0"/>
           </a:p>
@@ -7231,7 +7259,7 @@
           <a:p>
             <a:fld id="{4509A250-FF31-4206-8172-F9D3106AACB1}" type="datetimeFigureOut">
               <a:rPr lang="en-US" smtClean="0"/>
-              <a:t>7/2/2015</a:t>
+              <a:t>7/10/2015</a:t>
             </a:fld>
             <a:endParaRPr lang="en-US" dirty="0"/>
           </a:p>
@@ -7660,7 +7688,7 @@
           <a:p>
             <a:fld id="{4AAD347D-5ACD-4C99-B74B-A9C85AD731AF}" type="datetimeFigureOut">
               <a:rPr lang="en-US" smtClean="0"/>
-              <a:t>7/2/2015</a:t>
+              <a:t>7/10/2015</a:t>
             </a:fld>
             <a:endParaRPr lang="en-US" dirty="0"/>
           </a:p>
